--- a/ppt/自动化实验室调度算法项目介绍.pptx
+++ b/ppt/自动化实验室调度算法项目介绍.pptx
@@ -35681,7 +35681,7 @@
         </p:blipFill>
         <p:spPr>
           <a:xfrm>
-            <a:off x="6902450" y="127635"/>
+            <a:off x="6902450" y="0"/>
             <a:ext cx="5109845" cy="6602730"/>
           </a:xfrm>
           <a:prstGeom prst="rect">
@@ -53848,7 +53848,7 @@
 
 <file path=ppt/tags/tag388.xml><?xml version="1.0" encoding="utf-8"?>
 <p:tagLst xmlns:p="http://schemas.openxmlformats.org/presentationml/2006/main">
-  <p:tag name="COMMONDATA" val="eyJoZGlkIjoiYmU1YTg1NTAxZmY0MDM1OTBlN2EzYTE4ZGZhNjE5MTcifQ=="/>
+  <p:tag name="COMMONDATA" val="eyJoZGlkIjoiNWRiN2EzOTIwNTFkMWRjYjlhM2M2MjEwMTAzOTAyMTAifQ=="/>
   <p:tag name="KSO_WPP_MARK_KEY" val="549a81cd-73cd-4008-ae1b-90ebf262a54e"/>
 </p:tagLst>
 </file>

--- a/ppt/自动化实验室调度算法项目介绍.pptx
+++ b/ppt/自动化实验室调度算法项目介绍.pptx
@@ -47978,12 +47978,6 @@
           <a:prstGeom prst="rect">
             <a:avLst/>
           </a:prstGeom>
-          <a:solidFill>
-            <a:schemeClr val="accent1">
-              <a:lumMod val="60000"/>
-              <a:lumOff val="40000"/>
-            </a:schemeClr>
-          </a:solidFill>
           <a:ln w="28575" cmpd="sng">
             <a:solidFill>
               <a:schemeClr val="accent2"/>
@@ -47993,18 +47987,16 @@
         </p:spPr>
         <p:style>
           <a:lnRef idx="2">
-            <a:schemeClr val="accent1">
-              <a:shade val="50000"/>
-            </a:schemeClr>
+            <a:schemeClr val="accent2"/>
           </a:lnRef>
           <a:fillRef idx="1">
-            <a:schemeClr val="accent1"/>
+            <a:schemeClr val="lt1"/>
           </a:fillRef>
           <a:effectRef idx="0">
-            <a:schemeClr val="accent1"/>
+            <a:schemeClr val="accent2"/>
           </a:effectRef>
           <a:fontRef idx="minor">
-            <a:schemeClr val="lt1"/>
+            <a:schemeClr val="dk1"/>
           </a:fontRef>
         </p:style>
         <p:txBody>
